--- a/2021_7_12.pptx
+++ b/2021_7_12.pptx
@@ -321,7 +321,7 @@
             </a:pPr>
             <a:fld id="{2120E8A7-10C0-4A3F-8A5F-C23C99458661}" type="datetimeFigureOut">
               <a:rPr lang="en-US"/>
-              <a:t>7/13/2021</a:t>
+              <a:t>5/10/2022</a:t>
             </a:fld>
             <a:endParaRPr lang="en-US"/>
           </a:p>
@@ -534,7 +534,7 @@
             </a:pPr>
             <a:fld id="{51981E3B-E2FD-4482-B46D-D6CD1BE21990}" type="datetimeFigureOut">
               <a:rPr lang="en-US"/>
-              <a:t>7/13/2021</a:t>
+              <a:t>5/10/2022</a:t>
             </a:fld>
             <a:endParaRPr lang="en-US"/>
           </a:p>
@@ -3926,7 +3926,15 @@
             <a:pPr lvl="1"/>
             <a:r>
               <a:rPr lang="en-US" altLang="zh-CN" dirty="0"/>
-              <a:t>Winprop does not support time-invariant simulations in outdoor database.</a:t>
+              <a:t>Winprop does not </a:t>
+            </a:r>
+            <a:r>
+              <a:rPr lang="en-US" altLang="zh-CN"/>
+              <a:t>support time-variant </a:t>
+            </a:r>
+            <a:r>
+              <a:rPr lang="en-US" altLang="zh-CN" dirty="0"/>
+              <a:t>simulations in outdoor database.</a:t>
             </a:r>
           </a:p>
           <a:p>
@@ -4381,7 +4389,7 @@
         </p:nvSpPr>
         <p:spPr>
           <a:xfrm>
-            <a:off x="723901" y="5518150"/>
+            <a:off x="723901" y="4645694"/>
             <a:ext cx="10972800" cy="405561"/>
           </a:xfrm>
         </p:spPr>
@@ -4469,10 +4477,10 @@
       </p:sp>
       <p:pic>
         <p:nvPicPr>
-          <p:cNvPr id="13" name="图片 12">
-            <a:extLst>
-              <a:ext uri="{FF2B5EF4-FFF2-40B4-BE49-F238E27FC236}">
-                <a16:creationId xmlns:a16="http://schemas.microsoft.com/office/drawing/2014/main" id="{95130770-66D9-41F2-8FA3-773365CC4386}"/>
+          <p:cNvPr id="8" name="图片 7">
+            <a:extLst>
+              <a:ext uri="{FF2B5EF4-FFF2-40B4-BE49-F238E27FC236}">
+                <a16:creationId xmlns:a16="http://schemas.microsoft.com/office/drawing/2014/main" id="{33981CCE-3EB6-748A-C144-D0104175F125}"/>
               </a:ext>
             </a:extLst>
           </p:cNvPr>
@@ -4489,8 +4497,8 @@
         </p:blipFill>
         <p:spPr>
           <a:xfrm>
-            <a:off x="495299" y="794228"/>
-            <a:ext cx="10792613" cy="4723922"/>
+            <a:off x="541388" y="1162168"/>
+            <a:ext cx="10859251" cy="3127880"/>
           </a:xfrm>
           <a:prstGeom prst="rect">
             <a:avLst/>
@@ -4587,10 +4595,10 @@
       </p:sp>
       <p:pic>
         <p:nvPicPr>
-          <p:cNvPr id="14" name="图片 13">
-            <a:extLst>
-              <a:ext uri="{FF2B5EF4-FFF2-40B4-BE49-F238E27FC236}">
-                <a16:creationId xmlns:a16="http://schemas.microsoft.com/office/drawing/2014/main" id="{BCD21E24-9A4B-45BA-BA28-B4EA69047AE3}"/>
+          <p:cNvPr id="5" name="图片 4">
+            <a:extLst>
+              <a:ext uri="{FF2B5EF4-FFF2-40B4-BE49-F238E27FC236}">
+                <a16:creationId xmlns:a16="http://schemas.microsoft.com/office/drawing/2014/main" id="{5C2E1308-8B64-7012-B188-C87940A91835}"/>
               </a:ext>
             </a:extLst>
           </p:cNvPr>
@@ -4607,8 +4615,8 @@
         </p:blipFill>
         <p:spPr>
           <a:xfrm>
-            <a:off x="443372" y="2676977"/>
-            <a:ext cx="9353824" cy="3835180"/>
+            <a:off x="443372" y="848242"/>
+            <a:ext cx="10933333" cy="1990476"/>
           </a:xfrm>
           <a:prstGeom prst="rect">
             <a:avLst/>
@@ -4617,10 +4625,10 @@
       </p:pic>
       <p:pic>
         <p:nvPicPr>
-          <p:cNvPr id="16" name="图片 15">
-            <a:extLst>
-              <a:ext uri="{FF2B5EF4-FFF2-40B4-BE49-F238E27FC236}">
-                <a16:creationId xmlns:a16="http://schemas.microsoft.com/office/drawing/2014/main" id="{A1BFFCA1-A55D-431E-AD4F-47063D9F782C}"/>
+          <p:cNvPr id="7" name="图片 6">
+            <a:extLst>
+              <a:ext uri="{FF2B5EF4-FFF2-40B4-BE49-F238E27FC236}">
+                <a16:creationId xmlns:a16="http://schemas.microsoft.com/office/drawing/2014/main" id="{72F817B7-8E0E-658D-0B34-913517DE74D5}"/>
               </a:ext>
             </a:extLst>
           </p:cNvPr>
@@ -4637,8 +4645,8 @@
         </p:blipFill>
         <p:spPr>
           <a:xfrm>
-            <a:off x="443372" y="729168"/>
-            <a:ext cx="6413774" cy="1876252"/>
+            <a:off x="529800" y="2912432"/>
+            <a:ext cx="10914286" cy="3580952"/>
           </a:xfrm>
           <a:prstGeom prst="rect">
             <a:avLst/>

--- a/2021_7_12.pptx
+++ b/2021_7_12.pptx
@@ -321,7 +321,7 @@
             </a:pPr>
             <a:fld id="{2120E8A7-10C0-4A3F-8A5F-C23C99458661}" type="datetimeFigureOut">
               <a:rPr lang="en-US"/>
-              <a:t>5/10/2022</a:t>
+              <a:t>11/21/2022</a:t>
             </a:fld>
             <a:endParaRPr lang="en-US"/>
           </a:p>
@@ -534,7 +534,7 @@
             </a:pPr>
             <a:fld id="{51981E3B-E2FD-4482-B46D-D6CD1BE21990}" type="datetimeFigureOut">
               <a:rPr lang="en-US"/>
-              <a:t>5/10/2022</a:t>
+              <a:t>11/21/2022</a:t>
             </a:fld>
             <a:endParaRPr lang="en-US"/>
           </a:p>
@@ -3919,22 +3919,14 @@
           <a:p>
             <a:r>
               <a:rPr lang="en-US" altLang="zh-CN" dirty="0"/>
-              <a:t>Time-invariant scenario in outdoor (urban) database.</a:t>
+              <a:t>Time-variant scenario in outdoor (urban) database.</a:t>
             </a:r>
           </a:p>
           <a:p>
             <a:pPr lvl="1"/>
             <a:r>
               <a:rPr lang="en-US" altLang="zh-CN" dirty="0"/>
-              <a:t>Winprop does not </a:t>
-            </a:r>
-            <a:r>
-              <a:rPr lang="en-US" altLang="zh-CN"/>
-              <a:t>support time-variant </a:t>
-            </a:r>
-            <a:r>
-              <a:rPr lang="en-US" altLang="zh-CN" dirty="0"/>
-              <a:t>simulations in outdoor database.</a:t>
+              <a:t>Winprop does not support time-variant simulations in outdoor database.</a:t>
             </a:r>
           </a:p>
           <a:p>
@@ -4735,7 +4727,7 @@
           <a:p>
             <a:r>
               <a:rPr lang="en-US" altLang="zh-CN" dirty="0"/>
-              <a:t>Simulation database: indoor_time_invariant.cpp</a:t>
+              <a:t>Simulation database: indoor_time_variant.cpp</a:t>
             </a:r>
             <a:endParaRPr lang="zh-CN" altLang="en-US" dirty="0"/>
           </a:p>
@@ -4935,7 +4927,7 @@
           <a:p>
             <a:r>
               <a:rPr lang="en-US" altLang="zh-CN" dirty="0"/>
-              <a:t>Result: indoor_time_invariant.cpp </a:t>
+              <a:t>Result: indoor_time_variant.cpp </a:t>
             </a:r>
             <a:endParaRPr lang="zh-CN" altLang="en-US" dirty="0"/>
           </a:p>
@@ -5713,7 +5705,7 @@
           <a:p>
             <a:r>
               <a:rPr lang="en-US" altLang="zh-CN" dirty="0"/>
-              <a:t>Result: indoor_time_invariant.cpp</a:t>
+              <a:t>Result: indoor_time_variant.cpp</a:t>
             </a:r>
             <a:r>
               <a:rPr lang="zh-CN" altLang="en-US" dirty="0"/>
@@ -6096,7 +6088,7 @@
         </p:blipFill>
         <p:spPr>
           <a:xfrm>
-            <a:off x="6157375" y="1611809"/>
+            <a:off x="6177545" y="1611809"/>
             <a:ext cx="5196425" cy="3897319"/>
           </a:xfrm>
           <a:prstGeom prst="rect">
